--- a/doc/slides/Simple Planet Wars/Simple Planet Wars Overview.pptx
+++ b/doc/slides/Simple Planet Wars/Simple Planet Wars Overview.pptx
@@ -3601,10 +3601,16 @@
               <a:t>–</a:t>
             </a:r>
             <a:r>
-              <a:rPr lang="en-US" smtClean="0"/>
+              <a:rPr lang="en-US" dirty="0" smtClean="0"/>
               <a:t> speed at which it moves</a:t>
             </a:r>
-            <a:endParaRPr lang="en-US" dirty="0" smtClean="0"/>
+          </a:p>
+          <a:p>
+            <a:pPr lvl="1"/>
+            <a:r>
+              <a:rPr lang="en-US" dirty="0" smtClean="0"/>
+              <a:t>Note: the moving buffer idea is an added twist (no pun intended)</a:t>
+            </a:r>
           </a:p>
         </p:txBody>
       </p:sp>

--- a/doc/slides/Simple Planet Wars/Simple Planet Wars Overview.pptx
+++ b/doc/slides/Simple Planet Wars/Simple Planet Wars Overview.pptx
@@ -20,6 +20,7 @@
     <p:sldId id="268" r:id="rId14"/>
     <p:sldId id="270" r:id="rId15"/>
     <p:sldId id="271" r:id="rId16"/>
+    <p:sldId id="272" r:id="rId17"/>
   </p:sldIdLst>
   <p:sldSz cx="12192000" cy="6858000"/>
   <p:notesSz cx="6858000" cy="9144000"/>
@@ -3627,6 +3628,167 @@
 </p:sld>
 </file>
 
+<file path=ppt/slides/slide16.xml><?xml version="1.0" encoding="utf-8"?>
+<p:sld xmlns:a="http://schemas.openxmlformats.org/drawingml/2006/main" xmlns:r="http://schemas.openxmlformats.org/officeDocument/2006/relationships" xmlns:p="http://schemas.openxmlformats.org/presentationml/2006/main">
+  <p:cSld>
+    <p:spTree>
+      <p:nvGrpSpPr>
+        <p:cNvPr id="1" name=""/>
+        <p:cNvGrpSpPr/>
+        <p:nvPr/>
+      </p:nvGrpSpPr>
+      <p:grpSpPr>
+        <a:xfrm>
+          <a:off x="0" y="0"/>
+          <a:ext cx="0" cy="0"/>
+          <a:chOff x="0" y="0"/>
+          <a:chExt cx="0" cy="0"/>
+        </a:xfrm>
+      </p:grpSpPr>
+      <p:sp>
+        <p:nvSpPr>
+          <p:cNvPr id="2" name="Title 1"/>
+          <p:cNvSpPr>
+            <a:spLocks noGrp="1"/>
+          </p:cNvSpPr>
+          <p:nvPr>
+            <p:ph type="title"/>
+          </p:nvPr>
+        </p:nvSpPr>
+        <p:spPr/>
+        <p:txBody>
+          <a:bodyPr/>
+          <a:lstStyle/>
+          <a:p>
+            <a:r>
+              <a:rPr lang="en-US" dirty="0" smtClean="0"/>
+              <a:t>Debugging problem in LinkState</a:t>
+            </a:r>
+            <a:br>
+              <a:rPr lang="en-US" dirty="0" smtClean="0"/>
+            </a:br>
+            <a:r>
+              <a:rPr lang="en-US" dirty="0" smtClean="0"/>
+              <a:t>Basic facts</a:t>
+            </a:r>
+            <a:endParaRPr lang="en-US" dirty="0"/>
+          </a:p>
+        </p:txBody>
+      </p:sp>
+      <p:sp>
+        <p:nvSpPr>
+          <p:cNvPr id="3" name="Content Placeholder 2"/>
+          <p:cNvSpPr>
+            <a:spLocks noGrp="1"/>
+          </p:cNvSpPr>
+          <p:nvPr>
+            <p:ph idx="1"/>
+          </p:nvPr>
+        </p:nvSpPr>
+        <p:spPr/>
+        <p:txBody>
+          <a:bodyPr>
+            <a:normAutofit lnSpcReduction="10000"/>
+          </a:bodyPr>
+          <a:lstStyle/>
+          <a:p>
+            <a:r>
+              <a:rPr lang="en-US" dirty="0" smtClean="0"/>
+              <a:t>EvoAgent works fine</a:t>
+            </a:r>
+          </a:p>
+          <a:p>
+            <a:pPr lvl="1"/>
+            <a:r>
+              <a:rPr lang="en-US" dirty="0" smtClean="0"/>
+              <a:t>This class does not use the link state</a:t>
+            </a:r>
+          </a:p>
+          <a:p>
+            <a:r>
+              <a:rPr lang="en-US" dirty="0" smtClean="0"/>
+              <a:t>But instead uses three helper classes:</a:t>
+            </a:r>
+          </a:p>
+          <a:p>
+            <a:pPr lvl="1"/>
+            <a:r>
+              <a:rPr lang="en-US" dirty="0" smtClean="0"/>
+              <a:t>EvoAlg: the evolutionary algorithm used to do the search</a:t>
+            </a:r>
+          </a:p>
+          <a:p>
+            <a:pPr lvl="1"/>
+            <a:r>
+              <a:rPr lang="en-US" dirty="0" err="1" smtClean="0"/>
+              <a:t>ActionSequencer</a:t>
+            </a:r>
+            <a:r>
+              <a:rPr lang="en-US" dirty="0" smtClean="0"/>
+              <a:t>: to apply actions to states and record the consequences</a:t>
+            </a:r>
+          </a:p>
+          <a:p>
+            <a:pPr lvl="1"/>
+            <a:r>
+              <a:rPr lang="en-US" dirty="0" err="1" smtClean="0"/>
+              <a:t>SimpleGameAdapter</a:t>
+            </a:r>
+            <a:endParaRPr lang="en-US" dirty="0" smtClean="0"/>
+          </a:p>
+          <a:p>
+            <a:r>
+              <a:rPr lang="en-US" dirty="0" smtClean="0"/>
+              <a:t>But the </a:t>
+            </a:r>
+            <a:r>
+              <a:rPr lang="en-US" dirty="0" err="1" smtClean="0"/>
+              <a:t>GVGLink</a:t>
+            </a:r>
+            <a:r>
+              <a:rPr lang="en-US" dirty="0" smtClean="0"/>
+              <a:t> version uses:</a:t>
+            </a:r>
+          </a:p>
+          <a:p>
+            <a:pPr lvl="1"/>
+            <a:r>
+              <a:rPr lang="en-US" dirty="0" err="1" smtClean="0"/>
+              <a:t>GameActionSpaceAdapterMulti</a:t>
+            </a:r>
+            <a:endParaRPr lang="en-US" dirty="0" smtClean="0"/>
+          </a:p>
+          <a:p>
+            <a:r>
+              <a:rPr lang="en-US" dirty="0" smtClean="0"/>
+              <a:t>Maybe the problem lies there?</a:t>
+            </a:r>
+          </a:p>
+          <a:p>
+            <a:r>
+              <a:rPr lang="en-US" dirty="0" smtClean="0"/>
+              <a:t>Let’s feed the same sequence to each one!</a:t>
+            </a:r>
+          </a:p>
+          <a:p>
+            <a:pPr lvl="1"/>
+            <a:endParaRPr lang="en-US" dirty="0"/>
+          </a:p>
+        </p:txBody>
+      </p:sp>
+    </p:spTree>
+    <p:extLst>
+      <p:ext uri="{BB962C8B-B14F-4D97-AF65-F5344CB8AC3E}">
+        <p14:creationId xmlns:p14="http://schemas.microsoft.com/office/powerpoint/2010/main" val="914328363"/>
+      </p:ext>
+    </p:extLst>
+  </p:cSld>
+  <p:clrMapOvr>
+    <a:masterClrMapping/>
+  </p:clrMapOvr>
+</p:sld>
+</file>
+
 <file path=ppt/slides/slide2.xml><?xml version="1.0" encoding="utf-8"?>
 <p:sld xmlns:a="http://schemas.openxmlformats.org/drawingml/2006/main" xmlns:r="http://schemas.openxmlformats.org/officeDocument/2006/relationships" xmlns:p="http://schemas.openxmlformats.org/presentationml/2006/main">
   <p:cSld>
@@ -4246,12 +4408,8 @@
           </a:p>
           <a:p>
             <a:r>
-              <a:rPr lang="en-US" dirty="0" err="1" smtClean="0"/>
-              <a:t>EvoAgent</a:t>
-            </a:r>
-            <a:r>
-              <a:rPr lang="en-US" dirty="0" smtClean="0"/>
-              <a:t> (a rolling horizon agent, where the evolutionary algorithm can be plugged in, independently from the other details, such as shift buffer, discount factor, sequence length)</a:t>
+              <a:rPr lang="en-US" dirty="0" smtClean="0"/>
+              <a:t>EvoAgent (a rolling horizon agent, where the evolutionary algorithm can be plugged in, independently from the other details, such as shift buffer, discount factor, sequence length)</a:t>
             </a:r>
           </a:p>
           <a:p>
@@ -4276,22 +4434,14 @@
             <a:pPr lvl="1"/>
             <a:r>
               <a:rPr lang="en-US" dirty="0" smtClean="0"/>
-              <a:t>OLMCTS and </a:t>
-            </a:r>
-            <a:r>
-              <a:rPr lang="en-US" dirty="0" err="1" smtClean="0"/>
-              <a:t>EvoAgent</a:t>
-            </a:r>
-            <a:r>
-              <a:rPr lang="en-US" dirty="0" smtClean="0"/>
-              <a:t> can make use of different opponent modules</a:t>
-            </a:r>
-          </a:p>
-          <a:p>
-            <a:pPr lvl="1"/>
-            <a:r>
-              <a:rPr lang="en-US" dirty="0" smtClean="0"/>
-              <a:t>Random just plays uniform randomly and needs to opponent model</a:t>
+              <a:t>OLMCTS and EvoAgent can make use of different opponent modules</a:t>
+            </a:r>
+          </a:p>
+          <a:p>
+            <a:pPr lvl="1"/>
+            <a:r>
+              <a:rPr lang="en-US" dirty="0" smtClean="0"/>
+              <a:t>Random just plays uniform randomly and needs no opponent model</a:t>
             </a:r>
           </a:p>
           <a:p>
@@ -4383,12 +4533,8 @@
           <a:lstStyle/>
           <a:p>
             <a:r>
-              <a:rPr lang="en-US" dirty="0" err="1" smtClean="0"/>
-              <a:t>EvoAgent</a:t>
-            </a:r>
-            <a:r>
-              <a:rPr lang="en-US" dirty="0" smtClean="0"/>
-              <a:t> Parameters:</a:t>
+              <a:rPr lang="en-US" dirty="0" smtClean="0"/>
+              <a:t>EvoAgent Parameters:</a:t>
             </a:r>
           </a:p>
           <a:p>

--- a/doc/slides/Simple Planet Wars/Simple Planet Wars Overview.pptx
+++ b/doc/slides/Simple Planet Wars/Simple Planet Wars Overview.pptx
@@ -119,6 +119,11 @@
       </a:defRPr>
     </a:lvl9pPr>
   </p:defaultTextStyle>
+  <p:extLst>
+    <p:ext uri="{EFAFB233-063F-42B5-8137-9DF3F51BA10A}">
+      <p15:sldGuideLst xmlns:p15="http://schemas.microsoft.com/office/powerpoint/2012/main"/>
+    </p:ext>
+  </p:extLst>
 </p:presentation>
 </file>
 
@@ -253,7 +258,7 @@
           <a:p>
             <a:fld id="{249439B8-4F60-C642-8CC2-F64A0DA70A2C}" type="datetimeFigureOut">
               <a:rPr lang="en-US" smtClean="0"/>
-              <a:t>10/14/17</a:t>
+              <a:t>10/20/17</a:t>
             </a:fld>
             <a:endParaRPr lang="en-US"/>
           </a:p>
@@ -423,7 +428,7 @@
           <a:p>
             <a:fld id="{249439B8-4F60-C642-8CC2-F64A0DA70A2C}" type="datetimeFigureOut">
               <a:rPr lang="en-US" smtClean="0"/>
-              <a:t>10/14/17</a:t>
+              <a:t>10/20/17</a:t>
             </a:fld>
             <a:endParaRPr lang="en-US"/>
           </a:p>
@@ -603,7 +608,7 @@
           <a:p>
             <a:fld id="{249439B8-4F60-C642-8CC2-F64A0DA70A2C}" type="datetimeFigureOut">
               <a:rPr lang="en-US" smtClean="0"/>
-              <a:t>10/14/17</a:t>
+              <a:t>10/20/17</a:t>
             </a:fld>
             <a:endParaRPr lang="en-US"/>
           </a:p>
@@ -773,7 +778,7 @@
           <a:p>
             <a:fld id="{249439B8-4F60-C642-8CC2-F64A0DA70A2C}" type="datetimeFigureOut">
               <a:rPr lang="en-US" smtClean="0"/>
-              <a:t>10/14/17</a:t>
+              <a:t>10/20/17</a:t>
             </a:fld>
             <a:endParaRPr lang="en-US"/>
           </a:p>
@@ -1019,7 +1024,7 @@
           <a:p>
             <a:fld id="{249439B8-4F60-C642-8CC2-F64A0DA70A2C}" type="datetimeFigureOut">
               <a:rPr lang="en-US" smtClean="0"/>
-              <a:t>10/14/17</a:t>
+              <a:t>10/20/17</a:t>
             </a:fld>
             <a:endParaRPr lang="en-US"/>
           </a:p>
@@ -1251,7 +1256,7 @@
           <a:p>
             <a:fld id="{249439B8-4F60-C642-8CC2-F64A0DA70A2C}" type="datetimeFigureOut">
               <a:rPr lang="en-US" smtClean="0"/>
-              <a:t>10/14/17</a:t>
+              <a:t>10/20/17</a:t>
             </a:fld>
             <a:endParaRPr lang="en-US"/>
           </a:p>
@@ -1618,7 +1623,7 @@
           <a:p>
             <a:fld id="{249439B8-4F60-C642-8CC2-F64A0DA70A2C}" type="datetimeFigureOut">
               <a:rPr lang="en-US" smtClean="0"/>
-              <a:t>10/14/17</a:t>
+              <a:t>10/20/17</a:t>
             </a:fld>
             <a:endParaRPr lang="en-US"/>
           </a:p>
@@ -1736,7 +1741,7 @@
           <a:p>
             <a:fld id="{249439B8-4F60-C642-8CC2-F64A0DA70A2C}" type="datetimeFigureOut">
               <a:rPr lang="en-US" smtClean="0"/>
-              <a:t>10/14/17</a:t>
+              <a:t>10/20/17</a:t>
             </a:fld>
             <a:endParaRPr lang="en-US"/>
           </a:p>
@@ -1831,7 +1836,7 @@
           <a:p>
             <a:fld id="{249439B8-4F60-C642-8CC2-F64A0DA70A2C}" type="datetimeFigureOut">
               <a:rPr lang="en-US" smtClean="0"/>
-              <a:t>10/14/17</a:t>
+              <a:t>10/20/17</a:t>
             </a:fld>
             <a:endParaRPr lang="en-US"/>
           </a:p>
@@ -2108,7 +2113,7 @@
           <a:p>
             <a:fld id="{249439B8-4F60-C642-8CC2-F64A0DA70A2C}" type="datetimeFigureOut">
               <a:rPr lang="en-US" smtClean="0"/>
-              <a:t>10/14/17</a:t>
+              <a:t>10/20/17</a:t>
             </a:fld>
             <a:endParaRPr lang="en-US"/>
           </a:p>
@@ -2361,7 +2366,7 @@
           <a:p>
             <a:fld id="{249439B8-4F60-C642-8CC2-F64A0DA70A2C}" type="datetimeFigureOut">
               <a:rPr lang="en-US" smtClean="0"/>
-              <a:t>10/14/17</a:t>
+              <a:t>10/20/17</a:t>
             </a:fld>
             <a:endParaRPr lang="en-US"/>
           </a:p>
@@ -2574,7 +2579,7 @@
           <a:p>
             <a:fld id="{249439B8-4F60-C642-8CC2-F64A0DA70A2C}" type="datetimeFigureOut">
               <a:rPr lang="en-US" smtClean="0"/>
-              <a:t>10/14/17</a:t>
+              <a:t>10/20/17</a:t>
             </a:fld>
             <a:endParaRPr lang="en-US"/>
           </a:p>
@@ -3662,14 +3667,14 @@
           <a:p>
             <a:r>
               <a:rPr lang="en-US" dirty="0" smtClean="0"/>
-              <a:t>Debugging problem in LinkState</a:t>
+              <a:t>Observing Game Drama</a:t>
             </a:r>
             <a:br>
               <a:rPr lang="en-US" dirty="0" smtClean="0"/>
             </a:br>
             <a:r>
               <a:rPr lang="en-US" dirty="0" smtClean="0"/>
-              <a:t>Basic facts</a:t>
+              <a:t>This shows how the score changes hands</a:t>
             </a:r>
             <a:endParaRPr lang="en-US" dirty="0"/>
           </a:p>
@@ -3685,7 +3690,12 @@
             <p:ph idx="1"/>
           </p:nvPr>
         </p:nvSpPr>
-        <p:spPr/>
+        <p:spPr>
+          <a:xfrm>
+            <a:off x="838200" y="1825625"/>
+            <a:ext cx="3900055" cy="4351338"/>
+          </a:xfrm>
+        </p:spPr>
         <p:txBody>
           <a:bodyPr>
             <a:normAutofit lnSpcReduction="10000"/>
@@ -3694,92 +3704,74 @@
           <a:p>
             <a:r>
               <a:rPr lang="en-US" dirty="0" smtClean="0"/>
-              <a:t>EvoAgent works fine</a:t>
-            </a:r>
-          </a:p>
-          <a:p>
-            <a:pPr lvl="1"/>
-            <a:r>
-              <a:rPr lang="en-US" dirty="0" smtClean="0"/>
-              <a:t>This class does not use the link state</a:t>
-            </a:r>
-          </a:p>
-          <a:p>
-            <a:r>
-              <a:rPr lang="en-US" dirty="0" smtClean="0"/>
-              <a:t>But instead uses three helper classes:</a:t>
-            </a:r>
-          </a:p>
-          <a:p>
-            <a:pPr lvl="1"/>
-            <a:r>
-              <a:rPr lang="en-US" dirty="0" smtClean="0"/>
-              <a:t>EvoAlg: the evolutionary algorithm used to do the search</a:t>
-            </a:r>
-          </a:p>
-          <a:p>
-            <a:pPr lvl="1"/>
+              <a:t>Most lead changes (fluctuations around zero) occur in the early stages of the game</a:t>
+            </a:r>
+          </a:p>
+          <a:p>
+            <a:r>
+              <a:rPr lang="en-US" dirty="0" smtClean="0"/>
+              <a:t>By tick 100 most but not all games have been decided</a:t>
+            </a:r>
+          </a:p>
+          <a:p>
+            <a:r>
+              <a:rPr lang="en-US" dirty="0" smtClean="0"/>
+              <a:t>This is a based on </a:t>
+            </a:r>
             <a:r>
               <a:rPr lang="en-US" dirty="0" err="1" smtClean="0"/>
-              <a:t>ActionSequencer</a:t>
-            </a:r>
-            <a:r>
-              <a:rPr lang="en-US" dirty="0" smtClean="0"/>
-              <a:t>: to apply actions to states and record the consequences</a:t>
-            </a:r>
-          </a:p>
-          <a:p>
-            <a:pPr lvl="1"/>
+              <a:t>EvoAgents</a:t>
+            </a:r>
+            <a:r>
+              <a:rPr lang="en-US" dirty="0" smtClean="0"/>
+              <a:t>, each using </a:t>
+            </a:r>
             <a:r>
               <a:rPr lang="en-US" dirty="0" err="1" smtClean="0"/>
-              <a:t>SimpleGameAdapter</a:t>
-            </a:r>
-            <a:endParaRPr lang="en-US" dirty="0" smtClean="0"/>
-          </a:p>
-          <a:p>
-            <a:r>
-              <a:rPr lang="en-US" dirty="0" smtClean="0"/>
-              <a:t>But the </a:t>
-            </a:r>
-            <a:r>
-              <a:rPr lang="en-US" dirty="0" err="1" smtClean="0"/>
-              <a:t>GVGLink</a:t>
-            </a:r>
-            <a:r>
-              <a:rPr lang="en-US" dirty="0" smtClean="0"/>
-              <a:t> version uses:</a:t>
-            </a:r>
-          </a:p>
-          <a:p>
-            <a:pPr lvl="1"/>
-            <a:r>
-              <a:rPr lang="en-US" dirty="0" err="1" smtClean="0"/>
-              <a:t>GameActionSpaceAdapterMulti</a:t>
-            </a:r>
-            <a:endParaRPr lang="en-US" dirty="0" smtClean="0"/>
-          </a:p>
-          <a:p>
-            <a:r>
-              <a:rPr lang="en-US" dirty="0" smtClean="0"/>
-              <a:t>Maybe the problem lies there?</a:t>
-            </a:r>
-          </a:p>
-          <a:p>
-            <a:r>
-              <a:rPr lang="en-US" dirty="0" smtClean="0"/>
-              <a:t>Let’s feed the same sequence to each one!</a:t>
-            </a:r>
-          </a:p>
-          <a:p>
-            <a:pPr lvl="1"/>
+              <a:t>SimpleRMHC</a:t>
+            </a:r>
+            <a:r>
+              <a:rPr lang="en-US" smtClean="0"/>
+              <a:t> as the algorithm</a:t>
+            </a:r>
             <a:endParaRPr lang="en-US" dirty="0"/>
           </a:p>
         </p:txBody>
       </p:sp>
+      <p:pic>
+        <p:nvPicPr>
+          <p:cNvPr id="8" name="Picture 7"/>
+          <p:cNvPicPr>
+            <a:picLocks noChangeAspect="1"/>
+          </p:cNvPicPr>
+          <p:nvPr/>
+        </p:nvPicPr>
+        <p:blipFill>
+          <a:blip r:embed="rId2">
+            <a:extLst>
+              <a:ext uri="{28A0092B-C50C-407E-A947-70E740481C1C}">
+                <a14:useLocalDpi xmlns:a14="http://schemas.microsoft.com/office/drawing/2010/main" val="0"/>
+              </a:ext>
+            </a:extLst>
+          </a:blip>
+          <a:stretch>
+            <a:fillRect/>
+          </a:stretch>
+        </p:blipFill>
+        <p:spPr>
+          <a:xfrm>
+            <a:off x="4942861" y="1690688"/>
+            <a:ext cx="6410939" cy="4752109"/>
+          </a:xfrm>
+          <a:prstGeom prst="rect">
+            <a:avLst/>
+          </a:prstGeom>
+        </p:spPr>
+      </p:pic>
     </p:spTree>
     <p:extLst>
       <p:ext uri="{BB962C8B-B14F-4D97-AF65-F5344CB8AC3E}">
-        <p14:creationId xmlns:p14="http://schemas.microsoft.com/office/powerpoint/2010/main" val="914328363"/>
+        <p14:creationId xmlns:p14="http://schemas.microsoft.com/office/powerpoint/2010/main" val="1264086431"/>
       </p:ext>
     </p:extLst>
   </p:cSld>
@@ -4320,7 +4312,6 @@
               <a:rPr lang="en-US" dirty="0" smtClean="0"/>
               <a:t>Optimising the parameters of the game</a:t>
             </a:r>
-            <a:endParaRPr lang="en-US" dirty="0" smtClean="0"/>
           </a:p>
           <a:p>
             <a:r>
